--- a/Data 608 - Final Project.pptx
+++ b/Data 608 - Final Project.pptx
@@ -6,11 +6,11 @@
   </p:sldMasterIdLst>
   <p:sldIdLst>
     <p:sldId id="256" r:id="rId2"/>
-    <p:sldId id="258" r:id="rId3"/>
-    <p:sldId id="257" r:id="rId4"/>
+    <p:sldId id="257" r:id="rId3"/>
+    <p:sldId id="258" r:id="rId4"/>
     <p:sldId id="266" r:id="rId5"/>
-    <p:sldId id="267" r:id="rId6"/>
-    <p:sldId id="269" r:id="rId7"/>
+    <p:sldId id="269" r:id="rId6"/>
+    <p:sldId id="267" r:id="rId7"/>
     <p:sldId id="259" r:id="rId8"/>
     <p:sldId id="260" r:id="rId9"/>
     <p:sldId id="261" r:id="rId10"/>
@@ -4168,10 +4168,10 @@
           </a:p>
           <a:p>
             <a:r>
-              <a:rPr lang="en-US" dirty="0" smtClean="0">
+              <a:rPr lang="en-US" dirty="0">
                 <a:hlinkClick r:id="rId3"/>
               </a:rPr>
-              <a:t>https://data608-finalproject.herokuapp.com/</a:t>
+              <a:t>https://finalpro-data608.herokuapp.com/</a:t>
             </a:r>
             <a:endParaRPr lang="en-US" dirty="0"/>
           </a:p>
@@ -4498,8 +4498,8 @@
         </p:nvSpPr>
         <p:spPr>
           <a:xfrm>
-            <a:off x="472440" y="1524000"/>
-            <a:ext cx="8305800" cy="3693319"/>
+            <a:off x="457200" y="1447800"/>
+            <a:ext cx="8305800" cy="4801314"/>
           </a:xfrm>
           <a:prstGeom prst="rect">
             <a:avLst/>
@@ -4512,85 +4512,82 @@
           </a:bodyPr>
           <a:lstStyle/>
           <a:p>
+            <a:endParaRPr lang="en-US" dirty="0"/>
+          </a:p>
+          <a:p>
+            <a:r>
+              <a:rPr lang="en-US" dirty="0" smtClean="0"/>
+              <a:t>We are trying to find out the reason for patients to be admitted to hospitals.</a:t>
+            </a:r>
+          </a:p>
+          <a:p>
+            <a:r>
+              <a:rPr lang="en-US" dirty="0" err="1" smtClean="0"/>
+              <a:t>Eg</a:t>
+            </a:r>
+            <a:r>
+              <a:rPr lang="en-US" dirty="0" smtClean="0"/>
+              <a:t> : Cardiology, Orthopedic, Neurology, General surgery etc.</a:t>
+            </a:r>
+          </a:p>
+          <a:p>
             <a:endParaRPr lang="en-US" dirty="0" smtClean="0"/>
           </a:p>
           <a:p>
             <a:r>
               <a:rPr lang="en-US" dirty="0" smtClean="0"/>
-              <a:t>Diabetes dataset from UCI.</a:t>
-            </a:r>
-          </a:p>
-          <a:p>
-            <a:r>
-              <a:rPr lang="en-US" u="sng" dirty="0">
-                <a:hlinkClick r:id="rId2"/>
-              </a:rPr>
-              <a:t>http://archive.ics.uci.edu/ml/datasets/diabetes+130-us+hospitals+for+years+1999-2008</a:t>
+              <a:t>Health Insurance companies and Hospitals are penalized when patients are discharged and readmitted within 30 days.</a:t>
+            </a:r>
+          </a:p>
+          <a:p>
+            <a:endParaRPr lang="en-US" dirty="0" smtClean="0"/>
+          </a:p>
+          <a:p>
+            <a:r>
+              <a:rPr lang="en-US" dirty="0" smtClean="0"/>
+              <a:t>Readmissions </a:t>
             </a:r>
             <a:r>
               <a:rPr lang="en-US" dirty="0"/>
-              <a:t> </a:t>
+              <a:t>are associated with negative patient and financial outcomes. A readmission can be defined in multiple ways, including</a:t>
+            </a:r>
+            <a:r>
+              <a:rPr lang="en-US" dirty="0" smtClean="0"/>
+              <a:t>:</a:t>
             </a:r>
           </a:p>
           <a:p>
             <a:endParaRPr lang="en-US" dirty="0" smtClean="0"/>
           </a:p>
           <a:p>
-            <a:r>
-              <a:rPr lang="en-US" dirty="0" smtClean="0"/>
-              <a:t>The </a:t>
-            </a:r>
-            <a:r>
-              <a:rPr lang="en-US" dirty="0"/>
-              <a:t>UCI Machine Learning Repository: Diabetes 130-US Hospitals for years 1999-2008 of clinical care at 130 US hospitals and integrated delivery networks. It includes over 50 features representing patient and hospital outcomes. </a:t>
-            </a:r>
-            <a:endParaRPr lang="en-US" dirty="0" smtClean="0"/>
-          </a:p>
-          <a:p>
-            <a:endParaRPr lang="en-US" dirty="0" smtClean="0"/>
-          </a:p>
-          <a:p>
-            <a:r>
-              <a:rPr lang="en-US" dirty="0" smtClean="0"/>
-              <a:t>Data </a:t>
-            </a:r>
-            <a:r>
-              <a:rPr lang="en-US" dirty="0"/>
-              <a:t>Set contains </a:t>
-            </a:r>
-            <a:endParaRPr lang="en-US" dirty="0" smtClean="0"/>
-          </a:p>
-          <a:p>
-            <a:endParaRPr lang="en-US" dirty="0" smtClean="0"/>
-          </a:p>
-          <a:p>
-            <a:pPr marL="285750" indent="-285750">
+            <a:pPr marL="285750" lvl="0" indent="-285750" fontAlgn="base">
               <a:buFont typeface="Arial" pitchFamily="34" charset="0"/>
               <a:buChar char="•"/>
             </a:pPr>
             <a:r>
-              <a:rPr lang="en-US" dirty="0" smtClean="0"/>
-              <a:t>100000 </a:t>
-            </a:r>
-            <a:r>
               <a:rPr lang="en-US" dirty="0"/>
-              <a:t>instances of data, with 55 attributes. </a:t>
-            </a:r>
-            <a:endParaRPr lang="en-US" dirty="0" smtClean="0"/>
-          </a:p>
-          <a:p>
-            <a:pPr marL="285750" indent="-285750">
+              <a:t>Patients who are readmitted to the same hospital, or another applicable acute care hospital with same reason.</a:t>
+            </a:r>
+          </a:p>
+          <a:p>
+            <a:pPr marL="285750" lvl="0" indent="-285750" fontAlgn="base">
               <a:buFont typeface="Arial" pitchFamily="34" charset="0"/>
               <a:buChar char="•"/>
             </a:pPr>
             <a:r>
+              <a:rPr lang="en-US" dirty="0"/>
+              <a:t>Patients who are readmitted to the same hospital, or another applicable acute care hospital with different reason.</a:t>
+            </a:r>
+          </a:p>
+          <a:p>
+            <a:endParaRPr lang="en-US" dirty="0" smtClean="0"/>
+          </a:p>
+          <a:p>
+            <a:r>
               <a:rPr lang="en-US" dirty="0" smtClean="0"/>
-              <a:t>Attributes </a:t>
-            </a:r>
-            <a:r>
-              <a:rPr lang="en-US" dirty="0"/>
-              <a:t>such as patient’s race, gender, age, time in hospital, number of lab tests performed, number of in-patient, outpatient, and emergency visits for prior year, etc.</a:t>
-            </a:r>
+              <a:t>Some companies use multiple techniques like Utilization Management to reduce the risks.</a:t>
+            </a:r>
+            <a:endParaRPr lang="en-US" dirty="0"/>
           </a:p>
         </p:txBody>
       </p:sp>
@@ -4602,8 +4599,8 @@
         </p:nvSpPr>
         <p:spPr>
           <a:xfrm>
-            <a:off x="521208" y="838200"/>
-            <a:ext cx="6477000" cy="830997"/>
+            <a:off x="457200" y="685800"/>
+            <a:ext cx="8077200" cy="769441"/>
           </a:xfrm>
           <a:prstGeom prst="rect">
             <a:avLst/>
@@ -4617,17 +4614,17 @@
           <a:lstStyle/>
           <a:p>
             <a:r>
-              <a:rPr lang="en-US" sz="4800" dirty="0" smtClean="0"/>
-              <a:t>About Dataset</a:t>
-            </a:r>
-            <a:endParaRPr lang="en-US" sz="4800" dirty="0"/>
+              <a:rPr lang="en-US" sz="4400" dirty="0" smtClean="0"/>
+              <a:t>Admission &amp; Readmission Project</a:t>
+            </a:r>
+            <a:endParaRPr lang="en-US" sz="4400" dirty="0"/>
           </a:p>
         </p:txBody>
       </p:sp>
     </p:spTree>
     <p:extLst>
       <p:ext uri="{BB962C8B-B14F-4D97-AF65-F5344CB8AC3E}">
-        <p14:creationId xmlns:p14="http://schemas.microsoft.com/office/powerpoint/2010/main" val="1341248411"/>
+        <p14:creationId xmlns:p14="http://schemas.microsoft.com/office/powerpoint/2010/main" val="704556547"/>
       </p:ext>
     </p:extLst>
   </p:cSld>
@@ -4662,8 +4659,8 @@
         </p:nvSpPr>
         <p:spPr>
           <a:xfrm>
-            <a:off x="457200" y="1447800"/>
-            <a:ext cx="8305800" cy="4801314"/>
+            <a:off x="472440" y="1524000"/>
+            <a:ext cx="8305800" cy="3693319"/>
           </a:xfrm>
           <a:prstGeom prst="rect">
             <a:avLst/>
@@ -4676,82 +4673,85 @@
           </a:bodyPr>
           <a:lstStyle/>
           <a:p>
-            <a:endParaRPr lang="en-US" dirty="0"/>
+            <a:endParaRPr lang="en-US" dirty="0" smtClean="0"/>
           </a:p>
           <a:p>
             <a:r>
               <a:rPr lang="en-US" dirty="0" smtClean="0"/>
-              <a:t>We are trying to find out the reason for patients to be admitted to hospitals.</a:t>
-            </a:r>
-          </a:p>
-          <a:p>
-            <a:r>
-              <a:rPr lang="en-US" dirty="0" err="1" smtClean="0"/>
-              <a:t>Eg</a:t>
-            </a:r>
+              <a:t>Diabetes dataset from UCI.</a:t>
+            </a:r>
+          </a:p>
+          <a:p>
+            <a:r>
+              <a:rPr lang="en-US" u="sng" dirty="0">
+                <a:hlinkClick r:id="rId2"/>
+              </a:rPr>
+              <a:t>http://archive.ics.uci.edu/ml/datasets/diabetes+130-us+hospitals+for+years+1999-2008</a:t>
+            </a:r>
+            <a:r>
+              <a:rPr lang="en-US" dirty="0"/>
+              <a:t> </a:t>
+            </a:r>
+          </a:p>
+          <a:p>
+            <a:endParaRPr lang="en-US" dirty="0" smtClean="0"/>
+          </a:p>
+          <a:p>
             <a:r>
               <a:rPr lang="en-US" dirty="0" smtClean="0"/>
-              <a:t> : Cardiology, Orthopedic, Neurology, General surgery etc.</a:t>
-            </a:r>
-          </a:p>
-          <a:p>
+              <a:t>The </a:t>
+            </a:r>
+            <a:r>
+              <a:rPr lang="en-US" dirty="0"/>
+              <a:t>UCI Machine Learning Repository: Diabetes 130-US Hospitals for years 1999-2008 of clinical care at 130 US hospitals and integrated delivery networks. It includes over 50 features representing patient and hospital outcomes. </a:t>
+            </a:r>
             <a:endParaRPr lang="en-US" dirty="0" smtClean="0"/>
           </a:p>
           <a:p>
+            <a:endParaRPr lang="en-US" dirty="0" smtClean="0"/>
+          </a:p>
+          <a:p>
             <a:r>
               <a:rPr lang="en-US" dirty="0" smtClean="0"/>
-              <a:t>Health Insurance companies and Hospitals are penalized when patients are discharged and readmitted within 30 days.</a:t>
-            </a:r>
-          </a:p>
-          <a:p>
+              <a:t>Data </a:t>
+            </a:r>
+            <a:r>
+              <a:rPr lang="en-US" dirty="0"/>
+              <a:t>Set contains </a:t>
+            </a:r>
             <a:endParaRPr lang="en-US" dirty="0" smtClean="0"/>
           </a:p>
           <a:p>
-            <a:r>
-              <a:rPr lang="en-US" dirty="0" smtClean="0"/>
-              <a:t>Readmissions </a:t>
-            </a:r>
-            <a:r>
-              <a:rPr lang="en-US" dirty="0"/>
-              <a:t>are associated with negative patient and financial outcomes. A readmission can be defined in multiple ways, including</a:t>
-            </a:r>
-            <a:r>
-              <a:rPr lang="en-US" dirty="0" smtClean="0"/>
-              <a:t>:</a:t>
-            </a:r>
-          </a:p>
-          <a:p>
             <a:endParaRPr lang="en-US" dirty="0" smtClean="0"/>
           </a:p>
           <a:p>
-            <a:pPr marL="285750" lvl="0" indent="-285750" fontAlgn="base">
+            <a:pPr marL="285750" indent="-285750">
               <a:buFont typeface="Arial" pitchFamily="34" charset="0"/>
               <a:buChar char="•"/>
             </a:pPr>
             <a:r>
+              <a:rPr lang="en-US" dirty="0" smtClean="0"/>
+              <a:t>100000 </a:t>
+            </a:r>
+            <a:r>
               <a:rPr lang="en-US" dirty="0"/>
-              <a:t>Patients who are readmitted to the same hospital, or another applicable acute care hospital with same reason.</a:t>
-            </a:r>
-          </a:p>
-          <a:p>
-            <a:pPr marL="285750" lvl="0" indent="-285750" fontAlgn="base">
+              <a:t>instances of data, with 55 attributes. </a:t>
+            </a:r>
+            <a:endParaRPr lang="en-US" dirty="0" smtClean="0"/>
+          </a:p>
+          <a:p>
+            <a:pPr marL="285750" indent="-285750">
               <a:buFont typeface="Arial" pitchFamily="34" charset="0"/>
               <a:buChar char="•"/>
             </a:pPr>
             <a:r>
+              <a:rPr lang="en-US" dirty="0" smtClean="0"/>
+              <a:t>Attributes </a:t>
+            </a:r>
+            <a:r>
               <a:rPr lang="en-US" dirty="0"/>
-              <a:t>Patients who are readmitted to the same hospital, or another applicable acute care hospital with different reason.</a:t>
-            </a:r>
-          </a:p>
-          <a:p>
-            <a:endParaRPr lang="en-US" dirty="0" smtClean="0"/>
-          </a:p>
-          <a:p>
-            <a:r>
-              <a:rPr lang="en-US" dirty="0" smtClean="0"/>
-              <a:t>Some companies use multiple techniques like Utilization Management to reduce the risks.</a:t>
-            </a:r>
-            <a:endParaRPr lang="en-US" dirty="0"/>
+              <a:t>such as patient’s race, gender, age, time in hospital, number of lab tests performed, number of in-patient, outpatient, and emergency visits for prior year, etc.</a:t>
+            </a:r>
           </a:p>
         </p:txBody>
       </p:sp>
@@ -4763,8 +4763,8 @@
         </p:nvSpPr>
         <p:spPr>
           <a:xfrm>
-            <a:off x="457200" y="685800"/>
-            <a:ext cx="6705600" cy="769441"/>
+            <a:off x="521208" y="838200"/>
+            <a:ext cx="6477000" cy="830997"/>
           </a:xfrm>
           <a:prstGeom prst="rect">
             <a:avLst/>
@@ -4778,17 +4778,17 @@
           <a:lstStyle/>
           <a:p>
             <a:r>
-              <a:rPr lang="en-US" sz="4400" dirty="0" smtClean="0"/>
-              <a:t>Background</a:t>
-            </a:r>
-            <a:endParaRPr lang="en-US" sz="4400" dirty="0"/>
+              <a:rPr lang="en-US" sz="4800" dirty="0" smtClean="0"/>
+              <a:t>About Dataset</a:t>
+            </a:r>
+            <a:endParaRPr lang="en-US" sz="4800" dirty="0"/>
           </a:p>
         </p:txBody>
       </p:sp>
     </p:spTree>
     <p:extLst>
       <p:ext uri="{BB962C8B-B14F-4D97-AF65-F5344CB8AC3E}">
-        <p14:creationId xmlns:p14="http://schemas.microsoft.com/office/powerpoint/2010/main" val="704556547"/>
+        <p14:creationId xmlns:p14="http://schemas.microsoft.com/office/powerpoint/2010/main" val="1341248411"/>
       </p:ext>
     </p:extLst>
   </p:cSld>
@@ -5028,7 +5028,7 @@
         <p:spPr>
           <a:xfrm>
             <a:off x="472440" y="1981200"/>
-            <a:ext cx="8305800" cy="1754326"/>
+            <a:ext cx="8305800" cy="4247317"/>
           </a:xfrm>
           <a:prstGeom prst="rect">
             <a:avLst/>
@@ -5041,65 +5041,94 @@
           </a:bodyPr>
           <a:lstStyle/>
           <a:p>
+            <a:pPr marL="285750" indent="-285750">
+              <a:buFont typeface="Arial" pitchFamily="34" charset="0"/>
+              <a:buChar char="•"/>
+            </a:pPr>
+            <a:r>
+              <a:rPr lang="en-US" dirty="0" smtClean="0"/>
+              <a:t>In the dataset there are some values with “?”. We are replacing these values as Unknown.</a:t>
+            </a:r>
+          </a:p>
+          <a:p>
             <a:endParaRPr lang="en-US" dirty="0" smtClean="0"/>
           </a:p>
           <a:p>
-            <a:r>
-              <a:rPr lang="en-US" dirty="0"/>
-              <a:t>We </a:t>
-            </a:r>
+            <a:pPr marL="285750" indent="-285750">
+              <a:buFont typeface="Arial" pitchFamily="34" charset="0"/>
+              <a:buChar char="•"/>
+            </a:pPr>
             <a:r>
               <a:rPr lang="en-US" dirty="0" smtClean="0"/>
-              <a:t>created </a:t>
-            </a:r>
-            <a:r>
-              <a:rPr lang="en-US" dirty="0"/>
-              <a:t>an app using </a:t>
-            </a:r>
-            <a:r>
-              <a:rPr lang="en-US" dirty="0" err="1"/>
-              <a:t>Plotly</a:t>
-            </a:r>
-            <a:r>
-              <a:rPr lang="en-US" dirty="0"/>
-              <a:t> Dash to create interactive visualizations of our dataset.  </a:t>
-            </a:r>
+              <a:t>These changes are made to find out the demographics</a:t>
+            </a:r>
+          </a:p>
+          <a:p>
+            <a:r>
+              <a:rPr lang="en-US" dirty="0" smtClean="0"/>
+              <a:t>	-&gt; Race-Age</a:t>
+            </a:r>
+          </a:p>
+          <a:p>
+            <a:r>
+              <a:rPr lang="en-US" dirty="0" smtClean="0"/>
+              <a:t>	-&gt; Race-Gender</a:t>
+            </a:r>
+          </a:p>
+          <a:p>
+            <a:r>
+              <a:rPr lang="en-US" dirty="0" smtClean="0"/>
+              <a:t>	-&gt; Age-Gender</a:t>
+            </a:r>
+            <a:endParaRPr lang="en-US" dirty="0"/>
+          </a:p>
+          <a:p>
             <a:endParaRPr lang="en-US" dirty="0" smtClean="0"/>
           </a:p>
           <a:p>
+            <a:pPr marL="285750" indent="-285750">
+              <a:buFont typeface="Arial" pitchFamily="34" charset="0"/>
+              <a:buChar char="•"/>
+            </a:pPr>
             <a:r>
               <a:rPr lang="en-US" dirty="0" smtClean="0"/>
-              <a:t>The </a:t>
-            </a:r>
-            <a:r>
-              <a:rPr lang="en-US" dirty="0"/>
-              <a:t>visualizations will include various forms including:</a:t>
-            </a:r>
-          </a:p>
-          <a:p>
-            <a:pPr lvl="0"/>
-            <a:r>
-              <a:rPr lang="en-US" dirty="0"/>
-              <a:t>Patient demographics (age, sex, </a:t>
-            </a:r>
+              <a:t>I filtered data which having “?” for readmission as these values does not give any insight and will be misleading.</a:t>
+            </a:r>
+          </a:p>
+          <a:p>
+            <a:endParaRPr lang="en-US" dirty="0" smtClean="0"/>
+          </a:p>
+          <a:p>
+            <a:pPr marL="285750" indent="-285750">
+              <a:buFont typeface="Arial" pitchFamily="34" charset="0"/>
+              <a:buChar char="•"/>
+            </a:pPr>
             <a:r>
               <a:rPr lang="en-US" dirty="0" smtClean="0"/>
-              <a:t>race etc</a:t>
-            </a:r>
-            <a:r>
-              <a:rPr lang="en-US" dirty="0"/>
-              <a:t>.)</a:t>
-            </a:r>
-          </a:p>
-          <a:p>
-            <a:pPr lvl="0"/>
-            <a:r>
-              <a:rPr lang="en-US" dirty="0"/>
-              <a:t>Medication history and how medications impact a patient being readmitted to the </a:t>
-            </a:r>
+              <a:t>These changes are made for</a:t>
+            </a:r>
+          </a:p>
+          <a:p>
             <a:r>
               <a:rPr lang="en-US" dirty="0" smtClean="0"/>
-              <a:t>hospital</a:t>
+              <a:t>	-&gt; Medical </a:t>
+            </a:r>
+            <a:r>
+              <a:rPr lang="en-US" dirty="0" err="1" smtClean="0"/>
+              <a:t>Speciality</a:t>
+            </a:r>
+            <a:endParaRPr lang="en-US" dirty="0" smtClean="0"/>
+          </a:p>
+          <a:p>
+            <a:r>
+              <a:rPr lang="en-US" dirty="0" smtClean="0"/>
+              <a:t>	-&gt; Readmission</a:t>
+            </a:r>
+          </a:p>
+          <a:p>
+            <a:r>
+              <a:rPr lang="en-US" dirty="0" smtClean="0"/>
+              <a:t> </a:t>
             </a:r>
             <a:endParaRPr lang="en-US" dirty="0"/>
           </a:p>
@@ -5129,7 +5158,7 @@
           <a:p>
             <a:r>
               <a:rPr lang="en-US" sz="4800" dirty="0" smtClean="0"/>
-              <a:t>Project Details :</a:t>
+              <a:t>Data Wrangling :</a:t>
             </a:r>
             <a:endParaRPr lang="en-US" sz="4800" dirty="0"/>
           </a:p>
@@ -5138,7 +5167,7 @@
     </p:spTree>
     <p:extLst>
       <p:ext uri="{BB962C8B-B14F-4D97-AF65-F5344CB8AC3E}">
-        <p14:creationId xmlns:p14="http://schemas.microsoft.com/office/powerpoint/2010/main" val="1226904378"/>
+        <p14:creationId xmlns:p14="http://schemas.microsoft.com/office/powerpoint/2010/main" val="875257904"/>
       </p:ext>
     </p:extLst>
   </p:cSld>
@@ -5174,7 +5203,7 @@
         <p:spPr>
           <a:xfrm>
             <a:off x="472440" y="1981200"/>
-            <a:ext cx="8305800" cy="4247317"/>
+            <a:ext cx="8305800" cy="1754326"/>
           </a:xfrm>
           <a:prstGeom prst="rect">
             <a:avLst/>
@@ -5187,94 +5216,65 @@
           </a:bodyPr>
           <a:lstStyle/>
           <a:p>
-            <a:pPr marL="285750" indent="-285750">
-              <a:buFont typeface="Arial" pitchFamily="34" charset="0"/>
-              <a:buChar char="•"/>
-            </a:pPr>
+            <a:endParaRPr lang="en-US" dirty="0" smtClean="0"/>
+          </a:p>
+          <a:p>
+            <a:r>
+              <a:rPr lang="en-US" dirty="0"/>
+              <a:t>We </a:t>
+            </a:r>
             <a:r>
               <a:rPr lang="en-US" dirty="0" smtClean="0"/>
-              <a:t>In the dataset there are some values with “?”. We are replacing these values as Unknown.</a:t>
-            </a:r>
-          </a:p>
-          <a:p>
+              <a:t>created </a:t>
+            </a:r>
+            <a:r>
+              <a:rPr lang="en-US" dirty="0"/>
+              <a:t>an app using </a:t>
+            </a:r>
+            <a:r>
+              <a:rPr lang="en-US" dirty="0" err="1"/>
+              <a:t>Plotly</a:t>
+            </a:r>
+            <a:r>
+              <a:rPr lang="en-US" dirty="0"/>
+              <a:t> Dash to create interactive visualizations of our dataset.  </a:t>
+            </a:r>
             <a:endParaRPr lang="en-US" dirty="0" smtClean="0"/>
           </a:p>
           <a:p>
-            <a:pPr marL="285750" indent="-285750">
-              <a:buFont typeface="Arial" pitchFamily="34" charset="0"/>
-              <a:buChar char="•"/>
-            </a:pPr>
             <a:r>
               <a:rPr lang="en-US" dirty="0" smtClean="0"/>
-              <a:t>These changes are made to find out the demographics</a:t>
-            </a:r>
-          </a:p>
-          <a:p>
+              <a:t>The </a:t>
+            </a:r>
+            <a:r>
+              <a:rPr lang="en-US" dirty="0"/>
+              <a:t>visualizations will include various forms including:</a:t>
+            </a:r>
+          </a:p>
+          <a:p>
+            <a:pPr lvl="0"/>
+            <a:r>
+              <a:rPr lang="en-US" dirty="0"/>
+              <a:t>Patient demographics (age, sex, </a:t>
+            </a:r>
             <a:r>
               <a:rPr lang="en-US" dirty="0" smtClean="0"/>
-              <a:t>	-&gt; Race-Age</a:t>
-            </a:r>
-          </a:p>
-          <a:p>
+              <a:t>race etc</a:t>
+            </a:r>
+            <a:r>
+              <a:rPr lang="en-US" dirty="0"/>
+              <a:t>.)</a:t>
+            </a:r>
+          </a:p>
+          <a:p>
+            <a:pPr lvl="0"/>
+            <a:r>
+              <a:rPr lang="en-US" dirty="0"/>
+              <a:t>Medication history and how medications impact a patient being readmitted to the </a:t>
+            </a:r>
             <a:r>
               <a:rPr lang="en-US" dirty="0" smtClean="0"/>
-              <a:t>	-&gt; Race-Gender</a:t>
-            </a:r>
-          </a:p>
-          <a:p>
-            <a:r>
-              <a:rPr lang="en-US" dirty="0" smtClean="0"/>
-              <a:t>	-&gt; Age-Gender</a:t>
-            </a:r>
-            <a:endParaRPr lang="en-US" dirty="0"/>
-          </a:p>
-          <a:p>
-            <a:endParaRPr lang="en-US" dirty="0" smtClean="0"/>
-          </a:p>
-          <a:p>
-            <a:pPr marL="285750" indent="-285750">
-              <a:buFont typeface="Arial" pitchFamily="34" charset="0"/>
-              <a:buChar char="•"/>
-            </a:pPr>
-            <a:r>
-              <a:rPr lang="en-US" dirty="0" smtClean="0"/>
-              <a:t>I filtered data which having “?” for readmission as these values does not give any insight and will be misleading.</a:t>
-            </a:r>
-          </a:p>
-          <a:p>
-            <a:endParaRPr lang="en-US" dirty="0" smtClean="0"/>
-          </a:p>
-          <a:p>
-            <a:pPr marL="285750" indent="-285750">
-              <a:buFont typeface="Arial" pitchFamily="34" charset="0"/>
-              <a:buChar char="•"/>
-            </a:pPr>
-            <a:r>
-              <a:rPr lang="en-US" dirty="0" smtClean="0"/>
-              <a:t>These changes are made for</a:t>
-            </a:r>
-          </a:p>
-          <a:p>
-            <a:r>
-              <a:rPr lang="en-US" dirty="0" smtClean="0"/>
-              <a:t>	-&gt; Medical </a:t>
-            </a:r>
-            <a:r>
-              <a:rPr lang="en-US" dirty="0" err="1" smtClean="0"/>
-              <a:t>Speciality</a:t>
-            </a:r>
-            <a:endParaRPr lang="en-US" dirty="0" smtClean="0"/>
-          </a:p>
-          <a:p>
-            <a:r>
-              <a:rPr lang="en-US" dirty="0" smtClean="0"/>
-              <a:t>	-&gt; Readmission</a:t>
-            </a:r>
-          </a:p>
-          <a:p>
-            <a:r>
-              <a:rPr lang="en-US" dirty="0" smtClean="0"/>
-              <a:t> </a:t>
+              <a:t>hospital</a:t>
             </a:r>
             <a:endParaRPr lang="en-US" dirty="0"/>
           </a:p>
@@ -5304,7 +5304,7 @@
           <a:p>
             <a:r>
               <a:rPr lang="en-US" sz="4800" dirty="0" smtClean="0"/>
-              <a:t>Data Wrangling :</a:t>
+              <a:t>Project Details :</a:t>
             </a:r>
             <a:endParaRPr lang="en-US" sz="4800" dirty="0"/>
           </a:p>
@@ -5313,7 +5313,7 @@
     </p:spTree>
     <p:extLst>
       <p:ext uri="{BB962C8B-B14F-4D97-AF65-F5344CB8AC3E}">
-        <p14:creationId xmlns:p14="http://schemas.microsoft.com/office/powerpoint/2010/main" val="875257904"/>
+        <p14:creationId xmlns:p14="http://schemas.microsoft.com/office/powerpoint/2010/main" val="1226904378"/>
       </p:ext>
     </p:extLst>
   </p:cSld>
